--- a/Experiments/Arduino/03_SERVO/01_Pro_ucitele/PowerPoint_prezentace/02_servo_if.pptx
+++ b/Experiments/Arduino/03_SERVO/01_Pro_ucitele/PowerPoint_prezentace/02_servo_if.pptx
@@ -220,7 +220,7 @@
           <a:p>
             <a:fld id="{4D4CD106-0280-324C-A42B-4E18AB917999}" type="datetimeFigureOut">
               <a:rPr lang="cs-CZ" smtClean="0"/>
-              <a:t>28.06.18</a:t>
+              <a:t>20.11.2019</a:t>
             </a:fld>
             <a:endParaRPr lang="cs-CZ"/>
           </a:p>
@@ -7888,25 +7888,25 @@
           <p:nvPr>
             <p:extLst>
               <p:ext uri="{D42A27DB-BD31-4B8C-83A1-F6EECF244321}">
-                <p14:modId xmlns:p14="http://schemas.microsoft.com/office/powerpoint/2010/main" val="1724569020"/>
+                <p14:modId xmlns:p14="http://schemas.microsoft.com/office/powerpoint/2010/main" val="122169675"/>
               </p:ext>
             </p:extLst>
           </p:nvPr>
         </p:nvGraphicFramePr>
         <p:xfrm>
-          <a:off x="2136243" y="1560586"/>
-          <a:ext cx="6413500" cy="2768600"/>
+          <a:off x="2517775" y="1477963"/>
+          <a:ext cx="5651500" cy="2933700"/>
         </p:xfrm>
         <a:graphic>
           <a:graphicData uri="http://schemas.openxmlformats.org/presentationml/2006/ole">
             <mc:AlternateContent xmlns:mc="http://schemas.openxmlformats.org/markup-compatibility/2006">
               <mc:Choice xmlns:v="urn:schemas-microsoft-com:vml" Requires="v">
-                <p:oleObj spid="_x0000_s24588" name="Dokument" r:id="rId5" imgW="6413500" imgH="2768600" progId="Word.Document.12">
+                <p:oleObj spid="_x0000_s24591" name="Dokument" r:id="rId5" imgW="5651500" imgH="2933700" progId="Word.Document.12">
                   <p:embed/>
                 </p:oleObj>
               </mc:Choice>
               <mc:Fallback>
-                <p:oleObj name="Dokument" r:id="rId5" imgW="6413500" imgH="2768600" progId="Word.Document.12">
+                <p:oleObj name="Dokument" r:id="rId5" imgW="5651500" imgH="2933700" progId="Word.Document.12">
                   <p:embed/>
                   <p:pic>
                     <p:nvPicPr>
@@ -7922,8 +7922,8 @@
                     </p:blipFill>
                     <p:spPr>
                       <a:xfrm>
-                        <a:off x="2136243" y="1560586"/>
-                        <a:ext cx="6413500" cy="2768600"/>
+                        <a:off x="2517775" y="1477963"/>
+                        <a:ext cx="5651500" cy="2933700"/>
                       </a:xfrm>
                       <a:prstGeom prst="rect">
                         <a:avLst/>
@@ -7958,12 +7958,12 @@
           <a:graphicData uri="http://schemas.openxmlformats.org/presentationml/2006/ole">
             <mc:AlternateContent xmlns:mc="http://schemas.openxmlformats.org/markup-compatibility/2006">
               <mc:Choice xmlns:v="urn:schemas-microsoft-com:vml" Requires="v">
-                <p:oleObj spid="_x0000_s24589" name="Dokument" r:id="rId7" imgW="5575300" imgH="3187700" progId="Word.Document.12">
+                <p:oleObj spid="_x0000_s24592" name="Dokument" r:id="rId8" imgW="5575300" imgH="3187700" progId="Word.Document.12">
                   <p:embed/>
                 </p:oleObj>
               </mc:Choice>
               <mc:Fallback>
-                <p:oleObj name="Dokument" r:id="rId7" imgW="5575300" imgH="3187700" progId="Word.Document.12">
+                <p:oleObj name="Dokument" r:id="rId8" imgW="5575300" imgH="3187700" progId="Word.Document.12">
                   <p:embed/>
                   <p:pic>
                     <p:nvPicPr>
@@ -7972,7 +7972,7 @@
                       <p:nvPr/>
                     </p:nvPicPr>
                     <p:blipFill>
-                      <a:blip r:embed="rId8"/>
+                      <a:blip r:embed="rId9"/>
                       <a:stretch>
                         <a:fillRect/>
                       </a:stretch>
@@ -8654,12 +8654,12 @@
           <a:graphicData uri="http://schemas.openxmlformats.org/presentationml/2006/ole">
             <mc:AlternateContent xmlns:mc="http://schemas.openxmlformats.org/markup-compatibility/2006">
               <mc:Choice xmlns:v="urn:schemas-microsoft-com:vml" Requires="v">
-                <p:oleObj spid="_x0000_s21599" name="Dokument" r:id="rId5" imgW="5575300" imgH="1371600" progId="Word.Document.12">
+                <p:oleObj spid="_x0000_s21602" name="Dokument" r:id="rId6" imgW="5575300" imgH="1371600" progId="Word.Document.12">
                   <p:embed/>
                 </p:oleObj>
               </mc:Choice>
               <mc:Fallback>
-                <p:oleObj name="Dokument" r:id="rId5" imgW="5575300" imgH="1371600" progId="Word.Document.12">
+                <p:oleObj name="Dokument" r:id="rId6" imgW="5575300" imgH="1371600" progId="Word.Document.12">
                   <p:embed/>
                   <p:pic>
                     <p:nvPicPr>
@@ -8668,7 +8668,7 @@
                       <p:nvPr/>
                     </p:nvPicPr>
                     <p:blipFill>
-                      <a:blip r:embed="rId6"/>
+                      <a:blip r:embed="rId7"/>
                       <a:stretch>
                         <a:fillRect/>
                       </a:stretch>
@@ -9049,12 +9049,12 @@
           <a:graphicData uri="http://schemas.openxmlformats.org/presentationml/2006/ole">
             <mc:AlternateContent xmlns:mc="http://schemas.openxmlformats.org/markup-compatibility/2006">
               <mc:Choice xmlns:v="urn:schemas-microsoft-com:vml" Requires="v">
-                <p:oleObj spid="_x0000_s21600" name="Dokument" r:id="rId7" imgW="5575300" imgH="1206500" progId="Word.Document.12">
+                <p:oleObj spid="_x0000_s21603" name="Dokument" r:id="rId9" imgW="5575300" imgH="1206500" progId="Word.Document.12">
                   <p:embed/>
                 </p:oleObj>
               </mc:Choice>
               <mc:Fallback>
-                <p:oleObj name="Dokument" r:id="rId7" imgW="5575300" imgH="1206500" progId="Word.Document.12">
+                <p:oleObj name="Dokument" r:id="rId9" imgW="5575300" imgH="1206500" progId="Word.Document.12">
                   <p:embed/>
                   <p:pic>
                     <p:nvPicPr>
@@ -9063,7 +9063,7 @@
                       <p:nvPr/>
                     </p:nvPicPr>
                     <p:blipFill>
-                      <a:blip r:embed="rId8"/>
+                      <a:blip r:embed="rId10"/>
                       <a:stretch>
                         <a:fillRect/>
                       </a:stretch>
@@ -9566,12 +9566,12 @@
           <a:graphicData uri="http://schemas.openxmlformats.org/presentationml/2006/ole">
             <mc:AlternateContent xmlns:mc="http://schemas.openxmlformats.org/markup-compatibility/2006">
               <mc:Choice xmlns:v="urn:schemas-microsoft-com:vml" Requires="v">
-                <p:oleObj spid="_x0000_s1054" name="Dokument" r:id="rId5" imgW="5638800" imgH="2171700" progId="Word.Document.12">
+                <p:oleObj spid="_x0000_s1056" name="Dokument" r:id="rId6" imgW="5638800" imgH="2171700" progId="Word.Document.12">
                   <p:embed/>
                 </p:oleObj>
               </mc:Choice>
               <mc:Fallback>
-                <p:oleObj name="Dokument" r:id="rId5" imgW="5638800" imgH="2171700" progId="Word.Document.12">
+                <p:oleObj name="Dokument" r:id="rId6" imgW="5638800" imgH="2171700" progId="Word.Document.12">
                   <p:embed/>
                   <p:pic>
                     <p:nvPicPr>
@@ -9580,7 +9580,7 @@
                       <p:nvPr/>
                     </p:nvPicPr>
                     <p:blipFill>
-                      <a:blip r:embed="rId6"/>
+                      <a:blip r:embed="rId7"/>
                       <a:stretch>
                         <a:fillRect/>
                       </a:stretch>
@@ -10236,12 +10236,12 @@
           <a:graphicData uri="http://schemas.openxmlformats.org/presentationml/2006/ole">
             <mc:AlternateContent xmlns:mc="http://schemas.openxmlformats.org/markup-compatibility/2006">
               <mc:Choice xmlns:v="urn:schemas-microsoft-com:vml" Requires="v">
-                <p:oleObj spid="_x0000_s22592" name="Dokument" r:id="rId3" imgW="5575300" imgH="4838700" progId="Word.Document.12">
+                <p:oleObj spid="_x0000_s22594" name="Dokument" r:id="rId4" imgW="5575300" imgH="4838700" progId="Word.Document.12">
                   <p:embed/>
                 </p:oleObj>
               </mc:Choice>
               <mc:Fallback>
-                <p:oleObj name="Dokument" r:id="rId3" imgW="5575300" imgH="4838700" progId="Word.Document.12">
+                <p:oleObj name="Dokument" r:id="rId4" imgW="5575300" imgH="4838700" progId="Word.Document.12">
                   <p:embed/>
                   <p:pic>
                     <p:nvPicPr>
@@ -10250,7 +10250,7 @@
                       <p:nvPr/>
                     </p:nvPicPr>
                     <p:blipFill>
-                      <a:blip r:embed="rId4"/>
+                      <a:blip r:embed="rId5"/>
                       <a:stretch>
                         <a:fillRect/>
                       </a:stretch>
@@ -10554,12 +10554,12 @@
             <p:nvPr/>
           </p:nvPicPr>
           <p:blipFill>
-            <a:blip r:embed="rId5">
+            <a:blip r:embed="rId6">
               <a:lum bright="70000" contrast="-70000"/>
               <a:extLst>
                 <a:ext uri="{BEBA8EAE-BF5A-486C-A8C5-ECC9F3942E4B}">
                   <a14:imgProps xmlns:a14="http://schemas.microsoft.com/office/drawing/2010/main">
-                    <a14:imgLayer r:embed="rId6">
+                    <a14:imgLayer r:embed="rId7">
                       <a14:imgEffect>
                         <a14:colorTemperature colorTemp="1500"/>
                       </a14:imgEffect>
@@ -13107,12 +13107,12 @@
           <a:graphicData uri="http://schemas.openxmlformats.org/presentationml/2006/ole">
             <mc:AlternateContent xmlns:mc="http://schemas.openxmlformats.org/markup-compatibility/2006">
               <mc:Choice xmlns:v="urn:schemas-microsoft-com:vml" Requires="v">
-                <p:oleObj spid="_x0000_s13529" name="Dokument" r:id="rId5" imgW="6413500" imgH="2933700" progId="Word.Document.12">
+                <p:oleObj spid="_x0000_s13532" name="Dokument" r:id="rId6" imgW="6413500" imgH="2933700" progId="Word.Document.12">
                   <p:embed/>
                 </p:oleObj>
               </mc:Choice>
               <mc:Fallback>
-                <p:oleObj name="Dokument" r:id="rId5" imgW="6413500" imgH="2933700" progId="Word.Document.12">
+                <p:oleObj name="Dokument" r:id="rId6" imgW="6413500" imgH="2933700" progId="Word.Document.12">
                   <p:embed/>
                   <p:pic>
                     <p:nvPicPr>
@@ -13121,7 +13121,7 @@
                       <p:nvPr/>
                     </p:nvPicPr>
                     <p:blipFill>
-                      <a:blip r:embed="rId6"/>
+                      <a:blip r:embed="rId7"/>
                       <a:stretch>
                         <a:fillRect/>
                       </a:stretch>
@@ -13164,12 +13164,12 @@
           <a:graphicData uri="http://schemas.openxmlformats.org/presentationml/2006/ole">
             <mc:AlternateContent xmlns:mc="http://schemas.openxmlformats.org/markup-compatibility/2006">
               <mc:Choice xmlns:v="urn:schemas-microsoft-com:vml" Requires="v">
-                <p:oleObj spid="_x0000_s13530" name="Dokument" r:id="rId7" imgW="5575300" imgH="3848100" progId="Word.Document.12">
+                <p:oleObj spid="_x0000_s13533" name="Dokument" r:id="rId9" imgW="5575300" imgH="3848100" progId="Word.Document.12">
                   <p:embed/>
                 </p:oleObj>
               </mc:Choice>
               <mc:Fallback>
-                <p:oleObj name="Dokument" r:id="rId7" imgW="5575300" imgH="3848100" progId="Word.Document.12">
+                <p:oleObj name="Dokument" r:id="rId9" imgW="5575300" imgH="3848100" progId="Word.Document.12">
                   <p:embed/>
                   <p:pic>
                     <p:nvPicPr>
@@ -13178,7 +13178,7 @@
                       <p:nvPr/>
                     </p:nvPicPr>
                     <p:blipFill>
-                      <a:blip r:embed="rId8"/>
+                      <a:blip r:embed="rId10"/>
                       <a:stretch>
                         <a:fillRect/>
                       </a:stretch>
